--- a/doc files/ppt/Team XOcodes.pptx
+++ b/doc files/ppt/Team XOcodes.pptx
@@ -107,6 +107,11 @@
       </a:defRPr>
     </a:lvl9pPr>
   </p:defaultTextStyle>
+  <p:extLst>
+    <p:ext uri="{EFAFB233-063F-42B5-8137-9DF3F51BA10A}">
+      <p15:sldGuideLst xmlns:p15="http://schemas.microsoft.com/office/powerpoint/2012/main"/>
+    </p:ext>
+  </p:extLst>
 </p:presentation>
 </file>
 
@@ -6116,25 +6121,6 @@
           </a:p>
         </p:txBody>
       </p:sp>
-      <p:sp>
-        <p:nvSpPr>
-          <p:cNvPr id="3" name="Subtitle 2"/>
-          <p:cNvSpPr>
-            <a:spLocks noGrp="1"/>
-          </p:cNvSpPr>
-          <p:nvPr>
-            <p:ph type="subTitle" idx="1"/>
-          </p:nvPr>
-        </p:nvSpPr>
-        <p:spPr/>
-        <p:txBody>
-          <a:bodyPr/>
-          <a:lstStyle/>
-          <a:p>
-            <a:endParaRPr lang="en-US"/>
-          </a:p>
-        </p:txBody>
-      </p:sp>
     </p:spTree>
     <p:extLst>
       <p:ext uri="{BB962C8B-B14F-4D97-AF65-F5344CB8AC3E}">
@@ -6145,6 +6131,13 @@
   <p:clrMapOvr>
     <a:masterClrMapping/>
   </p:clrMapOvr>
+  <p:timing>
+    <p:tnLst>
+      <p:par>
+        <p:cTn id="1" dur="indefinite" restart="never" nodeType="tmRoot"/>
+      </p:par>
+    </p:tnLst>
+  </p:timing>
 </p:sld>
 </file>
 
@@ -6280,6 +6273,13 @@
   <p:clrMapOvr>
     <a:masterClrMapping/>
   </p:clrMapOvr>
+  <p:timing>
+    <p:tnLst>
+      <p:par>
+        <p:cTn id="1" dur="indefinite" restart="never" nodeType="tmRoot"/>
+      </p:par>
+    </p:tnLst>
+  </p:timing>
 </p:sld>
 </file>
 
@@ -6364,7 +6364,11 @@
           <a:p>
             <a:r>
               <a:rPr lang="en-US" dirty="0" smtClean="0"/>
-              <a:t>Main the stock in his own shop (shop transfer)</a:t>
+              <a:t>Maintain </a:t>
+            </a:r>
+            <a:r>
+              <a:rPr lang="en-US" dirty="0" smtClean="0"/>
+              <a:t>the stock in his own shop (shop transfer)</a:t>
             </a:r>
           </a:p>
           <a:p>
@@ -6478,6 +6482,13 @@
   <p:clrMapOvr>
     <a:masterClrMapping/>
   </p:clrMapOvr>
+  <p:timing>
+    <p:tnLst>
+      <p:par>
+        <p:cTn id="1" dur="indefinite" restart="never" nodeType="tmRoot"/>
+      </p:par>
+    </p:tnLst>
+  </p:timing>
 </p:sld>
 </file>
 
@@ -6550,26 +6561,33 @@
               <a:t>We used hibernate framework for </a:t>
             </a:r>
             <a:r>
+              <a:rPr lang="en-US" dirty="0" smtClean="0"/>
+              <a:t>manage </a:t>
+            </a:r>
+            <a:r>
               <a:rPr lang="en-US" dirty="0" err="1" smtClean="0"/>
-              <a:t>mysql</a:t>
+              <a:t>MySql</a:t>
             </a:r>
             <a:r>
               <a:rPr lang="en-US" dirty="0" smtClean="0"/>
-              <a:t> CRUD (</a:t>
-            </a:r>
-            <a:r>
-              <a:rPr lang="en-US" dirty="0" err="1" smtClean="0"/>
-              <a:t>create,read,update,delete</a:t>
-            </a:r>
+              <a:t> database</a:t>
+            </a:r>
+            <a:endParaRPr lang="en-US" dirty="0" smtClean="0"/>
+          </a:p>
+          <a:p>
             <a:r>
               <a:rPr lang="en-US" dirty="0" smtClean="0"/>
-              <a:t>)</a:t>
-            </a:r>
-          </a:p>
-          <a:p>
+              <a:t>We used Both Java and C# language for the development</a:t>
+            </a:r>
             <a:r>
               <a:rPr lang="en-US" dirty="0" smtClean="0"/>
-              <a:t>We used Both Java and C# language for the development.</a:t>
+              <a:t>.</a:t>
+            </a:r>
+          </a:p>
+          <a:p>
+            <a:r>
+              <a:rPr lang="en-US" dirty="0" smtClean="0"/>
+              <a:t>We used Java Swing component for develop GUI</a:t>
             </a:r>
             <a:endParaRPr lang="en-US" dirty="0"/>
           </a:p>
@@ -6645,6 +6663,13 @@
   <p:clrMapOvr>
     <a:masterClrMapping/>
   </p:clrMapOvr>
+  <p:timing>
+    <p:tnLst>
+      <p:par>
+        <p:cTn id="1" dur="indefinite" restart="never" nodeType="tmRoot"/>
+      </p:par>
+    </p:tnLst>
+  </p:timing>
 </p:sld>
 </file>
 
